--- a/DI.pptx
+++ b/DI.pptx
@@ -5,10 +5,10 @@
     <p:sldMasterId id="2147483648" r:id="rId1"/>
   </p:sldMasterIdLst>
   <p:notesMasterIdLst>
-    <p:notesMasterId r:id="rId12"/>
+    <p:notesMasterId r:id="rId13"/>
   </p:notesMasterIdLst>
   <p:handoutMasterIdLst>
-    <p:handoutMasterId r:id="rId13"/>
+    <p:handoutMasterId r:id="rId14"/>
   </p:handoutMasterIdLst>
   <p:sldIdLst>
     <p:sldId id="256" r:id="rId2"/>
@@ -20,7 +20,8 @@
     <p:sldId id="324" r:id="rId8"/>
     <p:sldId id="326" r:id="rId9"/>
     <p:sldId id="327" r:id="rId10"/>
-    <p:sldId id="277" r:id="rId11"/>
+    <p:sldId id="330" r:id="rId11"/>
+    <p:sldId id="277" r:id="rId12"/>
   </p:sldIdLst>
   <p:sldSz cx="12192000" cy="6858000"/>
   <p:notesSz cx="6858000" cy="9144000"/>
@@ -223,7 +224,7 @@
           <a:p>
             <a:fld id="{403DEC40-9E80-441F-B44E-99FF4F0BECEE}" type="datetimeFigureOut">
               <a:rPr lang="en-US" smtClean="0"/>
-              <a:t>6/11/2018</a:t>
+              <a:t>6/12/2018</a:t>
             </a:fld>
             <a:endParaRPr lang="en-US"/>
           </a:p>
@@ -388,7 +389,7 @@
           <a:p>
             <a:fld id="{E388AEA7-76EF-1145-9681-2D62CAADBFBD}" type="datetimeFigureOut">
               <a:rPr lang="en-US" smtClean="0"/>
-              <a:t>6/11/2018</a:t>
+              <a:t>6/12/2018</a:t>
             </a:fld>
             <a:endParaRPr lang="en-US"/>
           </a:p>
@@ -739,6 +740,114 @@
 </p:notes>
 </file>
 
+<file path=ppt/notesSlides/notesSlide10.xml><?xml version="1.0" encoding="utf-8"?>
+<p:notes xmlns:a="http://schemas.openxmlformats.org/drawingml/2006/main" xmlns:r="http://schemas.openxmlformats.org/officeDocument/2006/relationships" xmlns:p="http://schemas.openxmlformats.org/presentationml/2006/main" showMasterSp="0" showMasterPhAnim="0">
+  <p:cSld>
+    <p:spTree>
+      <p:nvGrpSpPr>
+        <p:cNvPr id="1" name="Shape 204"/>
+        <p:cNvGrpSpPr/>
+        <p:nvPr/>
+      </p:nvGrpSpPr>
+      <p:grpSpPr>
+        <a:xfrm>
+          <a:off x="0" y="0"/>
+          <a:ext cx="0" cy="0"/>
+          <a:chOff x="0" y="0"/>
+          <a:chExt cx="0" cy="0"/>
+        </a:xfrm>
+      </p:grpSpPr>
+      <p:sp>
+        <p:nvSpPr>
+          <p:cNvPr id="205" name="Shape 205"/>
+          <p:cNvSpPr txBox="1">
+            <a:spLocks noGrp="1"/>
+          </p:cNvSpPr>
+          <p:nvPr>
+            <p:ph type="body" idx="1"/>
+          </p:nvPr>
+        </p:nvSpPr>
+        <p:spPr>
+          <a:xfrm>
+            <a:off x="685800" y="4343400"/>
+            <a:ext cx="5486400" cy="4114800"/>
+          </a:xfrm>
+          <a:prstGeom prst="rect">
+            <a:avLst/>
+          </a:prstGeom>
+          <a:noFill/>
+          <a:ln>
+            <a:noFill/>
+          </a:ln>
+        </p:spPr>
+        <p:txBody>
+          <a:bodyPr spcFirstLastPara="1" wrap="square" lIns="91425" tIns="91425" rIns="91425" bIns="91425" anchor="ctr" anchorCtr="0">
+            <a:noAutofit/>
+          </a:bodyPr>
+          <a:lstStyle/>
+          <a:p>
+            <a:pPr marL="0" lvl="0" indent="0">
+              <a:spcBef>
+                <a:spcPts val="0"/>
+              </a:spcBef>
+              <a:spcAft>
+                <a:spcPts val="0"/>
+              </a:spcAft>
+              <a:buNone/>
+            </a:pPr>
+            <a:endParaRPr dirty="0"/>
+          </a:p>
+        </p:txBody>
+      </p:sp>
+      <p:sp>
+        <p:nvSpPr>
+          <p:cNvPr id="206" name="Shape 206"/>
+          <p:cNvSpPr>
+            <a:spLocks noGrp="1" noRot="1" noChangeAspect="1"/>
+          </p:cNvSpPr>
+          <p:nvPr>
+            <p:ph type="sldImg" idx="2"/>
+          </p:nvPr>
+        </p:nvSpPr>
+        <p:spPr>
+          <a:xfrm>
+            <a:off x="381000" y="685800"/>
+            <a:ext cx="6096000" cy="3429000"/>
+          </a:xfrm>
+          <a:custGeom>
+            <a:avLst/>
+            <a:gdLst/>
+            <a:ahLst/>
+            <a:cxnLst/>
+            <a:rect l="0" t="0" r="0" b="0"/>
+            <a:pathLst>
+              <a:path w="120000" h="120000" extrusionOk="0">
+                <a:moveTo>
+                  <a:pt x="0" y="0"/>
+                </a:moveTo>
+                <a:lnTo>
+                  <a:pt x="120000" y="0"/>
+                </a:lnTo>
+                <a:lnTo>
+                  <a:pt x="120000" y="120000"/>
+                </a:lnTo>
+                <a:lnTo>
+                  <a:pt x="0" y="120000"/>
+                </a:lnTo>
+                <a:close/>
+              </a:path>
+            </a:pathLst>
+          </a:custGeom>
+        </p:spPr>
+      </p:sp>
+    </p:spTree>
+  </p:cSld>
+  <p:clrMapOvr>
+    <a:masterClrMapping/>
+  </p:clrMapOvr>
+</p:notes>
+</file>
+
 <file path=ppt/notesSlides/notesSlide2.xml><?xml version="1.0" encoding="utf-8"?>
 <p:notes xmlns:a="http://schemas.openxmlformats.org/drawingml/2006/main" xmlns:r="http://schemas.openxmlformats.org/officeDocument/2006/relationships" xmlns:p="http://schemas.openxmlformats.org/presentationml/2006/main">
   <p:cSld>
@@ -1369,31 +1478,151 @@
           <a:bodyPr/>
           <a:lstStyle/>
           <a:p>
-            <a:pPr marL="171450" marR="0" lvl="0" indent="-171450" algn="l" defTabSz="457200" rtl="0" eaLnBrk="1" fontAlgn="auto" latinLnBrk="0" hangingPunct="1">
-              <a:lnSpc>
-                <a:spcPct val="100000"/>
-              </a:lnSpc>
-              <a:spcBef>
-                <a:spcPts val="0"/>
-              </a:spcBef>
-              <a:spcAft>
-                <a:spcPts val="0"/>
-              </a:spcAft>
-              <a:buClrTx/>
-              <a:buSzTx/>
+            <a:pPr fontAlgn="base"/>
+            <a:r>
+              <a:rPr lang="en-US" sz="1200" b="0" i="0" kern="1200" dirty="0">
+                <a:solidFill>
+                  <a:schemeClr val="tx1"/>
+                </a:solidFill>
+                <a:effectLst/>
+                <a:latin typeface="+mn-lt"/>
+                <a:ea typeface="+mn-ea"/>
+                <a:cs typeface="+mn-cs"/>
+              </a:rPr>
+              <a:t>- DI is about how one object acquires a dependency. When a dependency is provided externally, then the system is using DI.</a:t>
+            </a:r>
+          </a:p>
+          <a:p>
+            <a:pPr marL="171450" indent="-171450" fontAlgn="base">
               <a:buFontTx/>
               <a:buChar char="-"/>
-              <a:tabLst/>
-              <a:defRPr/>
             </a:pPr>
-            <a:endParaRPr lang="en-US" dirty="0"/>
-          </a:p>
-          <a:p>
-            <a:r>
-              <a:rPr lang="en-US" dirty="0"/>
-              <a:t>Small classes with single responsibility</a:t>
-            </a:r>
-            <a:endParaRPr lang="el-GR" dirty="0"/>
+            <a:r>
+              <a:rPr lang="en-US" sz="1200" b="0" i="0" kern="1200" dirty="0" err="1">
+                <a:solidFill>
+                  <a:schemeClr val="tx1"/>
+                </a:solidFill>
+                <a:effectLst/>
+                <a:latin typeface="+mn-lt"/>
+                <a:ea typeface="+mn-ea"/>
+                <a:cs typeface="+mn-cs"/>
+              </a:rPr>
+              <a:t>IoC</a:t>
+            </a:r>
+            <a:r>
+              <a:rPr lang="en-US" sz="1200" b="0" i="0" kern="1200" dirty="0">
+                <a:solidFill>
+                  <a:schemeClr val="tx1"/>
+                </a:solidFill>
+                <a:effectLst/>
+                <a:latin typeface="+mn-lt"/>
+                <a:ea typeface="+mn-ea"/>
+                <a:cs typeface="+mn-cs"/>
+              </a:rPr>
+              <a:t> is about who initiates the call. If your code initiates a call, it is not </a:t>
+            </a:r>
+            <a:r>
+              <a:rPr lang="en-US" sz="1200" b="0" i="0" kern="1200" dirty="0" err="1">
+                <a:solidFill>
+                  <a:schemeClr val="tx1"/>
+                </a:solidFill>
+                <a:effectLst/>
+                <a:latin typeface="+mn-lt"/>
+                <a:ea typeface="+mn-ea"/>
+                <a:cs typeface="+mn-cs"/>
+              </a:rPr>
+              <a:t>IoC</a:t>
+            </a:r>
+            <a:r>
+              <a:rPr lang="en-US" sz="1200" b="0" i="0" kern="1200" dirty="0">
+                <a:solidFill>
+                  <a:schemeClr val="tx1"/>
+                </a:solidFill>
+                <a:effectLst/>
+                <a:latin typeface="+mn-lt"/>
+                <a:ea typeface="+mn-ea"/>
+                <a:cs typeface="+mn-cs"/>
+              </a:rPr>
+              <a:t>, if the container/system/library calls back into code that you provided it, is it </a:t>
+            </a:r>
+            <a:r>
+              <a:rPr lang="en-US" sz="1200" b="0" i="0" kern="1200" dirty="0" err="1">
+                <a:solidFill>
+                  <a:schemeClr val="tx1"/>
+                </a:solidFill>
+                <a:effectLst/>
+                <a:latin typeface="+mn-lt"/>
+                <a:ea typeface="+mn-ea"/>
+                <a:cs typeface="+mn-cs"/>
+              </a:rPr>
+              <a:t>IoC</a:t>
+            </a:r>
+            <a:r>
+              <a:rPr lang="en-US" sz="1200" b="0" i="0" kern="1200" dirty="0">
+                <a:solidFill>
+                  <a:schemeClr val="tx1"/>
+                </a:solidFill>
+                <a:effectLst/>
+                <a:latin typeface="+mn-lt"/>
+                <a:ea typeface="+mn-ea"/>
+                <a:cs typeface="+mn-cs"/>
+              </a:rPr>
+              <a:t>.</a:t>
+            </a:r>
+          </a:p>
+          <a:p>
+            <a:pPr marL="171450" indent="-171450" fontAlgn="base">
+              <a:buFontTx/>
+              <a:buChar char="-"/>
+            </a:pPr>
+            <a:endParaRPr lang="en-US" sz="1200" b="0" i="0" kern="1200" dirty="0">
+              <a:solidFill>
+                <a:schemeClr val="tx1"/>
+              </a:solidFill>
+              <a:effectLst/>
+              <a:latin typeface="+mn-lt"/>
+              <a:ea typeface="+mn-ea"/>
+              <a:cs typeface="+mn-cs"/>
+            </a:endParaRPr>
+          </a:p>
+          <a:p>
+            <a:pPr fontAlgn="base"/>
+            <a:r>
+              <a:rPr lang="en-US" sz="1200" b="0" i="0" kern="1200" dirty="0">
+                <a:solidFill>
+                  <a:schemeClr val="tx1"/>
+                </a:solidFill>
+                <a:effectLst/>
+                <a:latin typeface="+mn-lt"/>
+                <a:ea typeface="+mn-ea"/>
+                <a:cs typeface="+mn-cs"/>
+              </a:rPr>
+              <a:t>- DIP, on the other hand, is about the level of the abstraction in the messages sent from your code to the thing it is calling. (...) DI is about wiring, </a:t>
+            </a:r>
+            <a:r>
+              <a:rPr lang="en-US" sz="1200" b="0" i="0" kern="1200" dirty="0" err="1">
+                <a:solidFill>
+                  <a:schemeClr val="tx1"/>
+                </a:solidFill>
+                <a:effectLst/>
+                <a:latin typeface="+mn-lt"/>
+                <a:ea typeface="+mn-ea"/>
+                <a:cs typeface="+mn-cs"/>
+              </a:rPr>
+              <a:t>IoC</a:t>
+            </a:r>
+            <a:r>
+              <a:rPr lang="en-US" sz="1200" b="0" i="0" kern="1200" dirty="0">
+                <a:solidFill>
+                  <a:schemeClr val="tx1"/>
+                </a:solidFill>
+                <a:effectLst/>
+                <a:latin typeface="+mn-lt"/>
+                <a:ea typeface="+mn-ea"/>
+                <a:cs typeface="+mn-cs"/>
+              </a:rPr>
+              <a:t> is about direction, and DIP is about shape [of the object upon which the code depends].</a:t>
+            </a:r>
           </a:p>
         </p:txBody>
       </p:sp>
@@ -1477,133 +1706,28 @@
           <a:bodyPr/>
           <a:lstStyle/>
           <a:p>
-            <a:pPr fontAlgn="base"/>
-            <a:r>
-              <a:rPr lang="en-US" sz="1200" b="0" i="0" kern="1200" dirty="0">
-                <a:solidFill>
-                  <a:schemeClr val="tx1"/>
-                </a:solidFill>
-                <a:effectLst/>
-                <a:latin typeface="+mn-lt"/>
-                <a:ea typeface="+mn-ea"/>
-                <a:cs typeface="+mn-cs"/>
-              </a:rPr>
-              <a:t>DI is about how one object acquires a dependency. When a dependency is provided externally, then the system is using DI.</a:t>
-            </a:r>
-          </a:p>
-          <a:p>
-            <a:pPr fontAlgn="base"/>
-            <a:r>
-              <a:rPr lang="en-US" sz="1200" b="0" i="0" kern="1200" dirty="0" err="1">
-                <a:solidFill>
-                  <a:schemeClr val="tx1"/>
-                </a:solidFill>
-                <a:effectLst/>
-                <a:latin typeface="+mn-lt"/>
-                <a:ea typeface="+mn-ea"/>
-                <a:cs typeface="+mn-cs"/>
-              </a:rPr>
-              <a:t>IoC</a:t>
-            </a:r>
-            <a:r>
-              <a:rPr lang="en-US" sz="1200" b="0" i="0" kern="1200" dirty="0">
-                <a:solidFill>
-                  <a:schemeClr val="tx1"/>
-                </a:solidFill>
-                <a:effectLst/>
-                <a:latin typeface="+mn-lt"/>
-                <a:ea typeface="+mn-ea"/>
-                <a:cs typeface="+mn-cs"/>
-              </a:rPr>
-              <a:t> is about who initiates the call. If your code initiates a call, it is not </a:t>
-            </a:r>
-            <a:r>
-              <a:rPr lang="en-US" sz="1200" b="0" i="0" kern="1200" dirty="0" err="1">
-                <a:solidFill>
-                  <a:schemeClr val="tx1"/>
-                </a:solidFill>
-                <a:effectLst/>
-                <a:latin typeface="+mn-lt"/>
-                <a:ea typeface="+mn-ea"/>
-                <a:cs typeface="+mn-cs"/>
-              </a:rPr>
-              <a:t>IoC</a:t>
-            </a:r>
-            <a:r>
-              <a:rPr lang="en-US" sz="1200" b="0" i="0" kern="1200" dirty="0">
-                <a:solidFill>
-                  <a:schemeClr val="tx1"/>
-                </a:solidFill>
-                <a:effectLst/>
-                <a:latin typeface="+mn-lt"/>
-                <a:ea typeface="+mn-ea"/>
-                <a:cs typeface="+mn-cs"/>
-              </a:rPr>
-              <a:t>, if the container/system/library calls back into code that you provided it, is it </a:t>
-            </a:r>
-            <a:r>
-              <a:rPr lang="en-US" sz="1200" b="0" i="0" kern="1200" dirty="0" err="1">
-                <a:solidFill>
-                  <a:schemeClr val="tx1"/>
-                </a:solidFill>
-                <a:effectLst/>
-                <a:latin typeface="+mn-lt"/>
-                <a:ea typeface="+mn-ea"/>
-                <a:cs typeface="+mn-cs"/>
-              </a:rPr>
-              <a:t>IoC</a:t>
-            </a:r>
-            <a:r>
-              <a:rPr lang="en-US" sz="1200" b="0" i="0" kern="1200" dirty="0">
-                <a:solidFill>
-                  <a:schemeClr val="tx1"/>
-                </a:solidFill>
-                <a:effectLst/>
-                <a:latin typeface="+mn-lt"/>
-                <a:ea typeface="+mn-ea"/>
-                <a:cs typeface="+mn-cs"/>
-              </a:rPr>
-              <a:t>.</a:t>
-            </a:r>
-          </a:p>
-          <a:p>
-            <a:pPr fontAlgn="base"/>
-            <a:r>
-              <a:rPr lang="en-US" sz="1200" b="0" i="0" kern="1200" dirty="0">
-                <a:solidFill>
-                  <a:schemeClr val="tx1"/>
-                </a:solidFill>
-                <a:effectLst/>
-                <a:latin typeface="+mn-lt"/>
-                <a:ea typeface="+mn-ea"/>
-                <a:cs typeface="+mn-cs"/>
-              </a:rPr>
-              <a:t>DIP, on the other hand, is about the level of the abstraction in the messages sent from your code to the thing it is calling. (...) DI is about wiring, </a:t>
-            </a:r>
-            <a:r>
-              <a:rPr lang="en-US" sz="1200" b="0" i="0" kern="1200" dirty="0" err="1">
-                <a:solidFill>
-                  <a:schemeClr val="tx1"/>
-                </a:solidFill>
-                <a:effectLst/>
-                <a:latin typeface="+mn-lt"/>
-                <a:ea typeface="+mn-ea"/>
-                <a:cs typeface="+mn-cs"/>
-              </a:rPr>
-              <a:t>IoC</a:t>
-            </a:r>
-            <a:r>
-              <a:rPr lang="en-US" sz="1200" b="0" i="0" kern="1200" dirty="0">
-                <a:solidFill>
-                  <a:schemeClr val="tx1"/>
-                </a:solidFill>
-                <a:effectLst/>
-                <a:latin typeface="+mn-lt"/>
-                <a:ea typeface="+mn-ea"/>
-                <a:cs typeface="+mn-cs"/>
-              </a:rPr>
-              <a:t> is about direction, and DIP is about shape [of the object upon which the code depends].</a:t>
-            </a:r>
+            <a:pPr marL="0" marR="0" lvl="0" indent="0" algn="l" defTabSz="457200" rtl="0" eaLnBrk="1" fontAlgn="auto" latinLnBrk="0" hangingPunct="1">
+              <a:lnSpc>
+                <a:spcPct val="100000"/>
+              </a:lnSpc>
+              <a:spcBef>
+                <a:spcPts val="0"/>
+              </a:spcBef>
+              <a:spcAft>
+                <a:spcPts val="0"/>
+              </a:spcAft>
+              <a:buClrTx/>
+              <a:buSzTx/>
+              <a:buFontTx/>
+              <a:buNone/>
+              <a:tabLst/>
+              <a:defRPr/>
+            </a:pPr>
+            <a:r>
+              <a:rPr lang="en-US" dirty="0"/>
+              <a:t>Small classes with single responsibility</a:t>
+            </a:r>
+            <a:endParaRPr lang="el-GR" dirty="0"/>
           </a:p>
           <a:p>
             <a:endParaRPr lang="el-GR" dirty="0"/>
@@ -1729,6 +1853,16 @@
             </a:r>
           </a:p>
           <a:p>
+            <a:endParaRPr lang="en-US" sz="1200" b="0" i="0" u="none" strike="noStrike" kern="1200" baseline="0" dirty="0">
+              <a:solidFill>
+                <a:schemeClr val="tx1"/>
+              </a:solidFill>
+              <a:latin typeface="+mn-lt"/>
+              <a:ea typeface="+mn-ea"/>
+              <a:cs typeface="+mn-cs"/>
+            </a:endParaRPr>
+          </a:p>
+          <a:p>
             <a:r>
               <a:rPr lang="en-US" sz="1200" b="1" i="0" u="none" strike="noStrike" kern="1200" baseline="0" dirty="0">
                 <a:solidFill>
@@ -1987,11 +2121,11 @@
 </file>
 
 <file path=ppt/notesSlides/notesSlide9.xml><?xml version="1.0" encoding="utf-8"?>
-<p:notes xmlns:a="http://schemas.openxmlformats.org/drawingml/2006/main" xmlns:r="http://schemas.openxmlformats.org/officeDocument/2006/relationships" xmlns:p="http://schemas.openxmlformats.org/presentationml/2006/main" showMasterSp="0" showMasterPhAnim="0">
+<p:notes xmlns:a="http://schemas.openxmlformats.org/drawingml/2006/main" xmlns:r="http://schemas.openxmlformats.org/officeDocument/2006/relationships" xmlns:p="http://schemas.openxmlformats.org/presentationml/2006/main">
   <p:cSld>
     <p:spTree>
       <p:nvGrpSpPr>
-        <p:cNvPr id="1" name="Shape 204"/>
+        <p:cNvPr id="1" name=""/>
         <p:cNvGrpSpPr/>
         <p:nvPr/>
       </p:nvGrpSpPr>
@@ -2005,88 +2139,64 @@
       </p:grpSpPr>
       <p:sp>
         <p:nvSpPr>
-          <p:cNvPr id="205" name="Shape 205"/>
-          <p:cNvSpPr txBox="1">
+          <p:cNvPr id="2" name="Slide Image Placeholder 1"/>
+          <p:cNvSpPr>
+            <a:spLocks noGrp="1" noRot="1" noChangeAspect="1"/>
+          </p:cNvSpPr>
+          <p:nvPr>
+            <p:ph type="sldImg"/>
+          </p:nvPr>
+        </p:nvSpPr>
+        <p:spPr/>
+      </p:sp>
+      <p:sp>
+        <p:nvSpPr>
+          <p:cNvPr id="3" name="Notes Placeholder 2"/>
+          <p:cNvSpPr>
             <a:spLocks noGrp="1"/>
           </p:cNvSpPr>
           <p:nvPr>
             <p:ph type="body" idx="1"/>
           </p:nvPr>
         </p:nvSpPr>
-        <p:spPr>
-          <a:xfrm>
-            <a:off x="685800" y="4343400"/>
-            <a:ext cx="5486400" cy="4114800"/>
-          </a:xfrm>
-          <a:prstGeom prst="rect">
-            <a:avLst/>
-          </a:prstGeom>
-          <a:noFill/>
-          <a:ln>
-            <a:noFill/>
-          </a:ln>
-        </p:spPr>
-        <p:txBody>
-          <a:bodyPr spcFirstLastPara="1" wrap="square" lIns="91425" tIns="91425" rIns="91425" bIns="91425" anchor="ctr" anchorCtr="0">
-            <a:noAutofit/>
-          </a:bodyPr>
+        <p:spPr/>
+        <p:txBody>
+          <a:bodyPr/>
           <a:lstStyle/>
           <a:p>
-            <a:pPr marL="0" lvl="0" indent="0">
-              <a:spcBef>
-                <a:spcPts val="0"/>
-              </a:spcBef>
-              <a:spcAft>
-                <a:spcPts val="0"/>
-              </a:spcAft>
-              <a:buNone/>
-            </a:pPr>
-            <a:endParaRPr dirty="0"/>
-          </a:p>
-        </p:txBody>
-      </p:sp>
-      <p:sp>
-        <p:nvSpPr>
-          <p:cNvPr id="206" name="Shape 206"/>
-          <p:cNvSpPr>
-            <a:spLocks noGrp="1" noRot="1" noChangeAspect="1"/>
-          </p:cNvSpPr>
-          <p:nvPr>
-            <p:ph type="sldImg" idx="2"/>
-          </p:nvPr>
-        </p:nvSpPr>
-        <p:spPr>
-          <a:xfrm>
-            <a:off x="381000" y="685800"/>
-            <a:ext cx="6096000" cy="3429000"/>
-          </a:xfrm>
-          <a:custGeom>
-            <a:avLst/>
-            <a:gdLst/>
-            <a:ahLst/>
-            <a:cxnLst/>
-            <a:rect l="0" t="0" r="0" b="0"/>
-            <a:pathLst>
-              <a:path w="120000" h="120000" extrusionOk="0">
-                <a:moveTo>
-                  <a:pt x="0" y="0"/>
-                </a:moveTo>
-                <a:lnTo>
-                  <a:pt x="120000" y="0"/>
-                </a:lnTo>
-                <a:lnTo>
-                  <a:pt x="120000" y="120000"/>
-                </a:lnTo>
-                <a:lnTo>
-                  <a:pt x="0" y="120000"/>
-                </a:lnTo>
-                <a:close/>
-              </a:path>
-            </a:pathLst>
-          </a:custGeom>
-        </p:spPr>
+            <a:endParaRPr lang="el-GR" dirty="0"/>
+          </a:p>
+        </p:txBody>
+      </p:sp>
+      <p:sp>
+        <p:nvSpPr>
+          <p:cNvPr id="4" name="Slide Number Placeholder 3"/>
+          <p:cNvSpPr>
+            <a:spLocks noGrp="1"/>
+          </p:cNvSpPr>
+          <p:nvPr>
+            <p:ph type="sldNum" sz="quarter" idx="10"/>
+          </p:nvPr>
+        </p:nvSpPr>
+        <p:spPr/>
+        <p:txBody>
+          <a:bodyPr/>
+          <a:lstStyle/>
+          <a:p>
+            <a:fld id="{7EC87FAE-DBB4-304A-85B6-C3B042B13BD1}" type="slidenum">
+              <a:rPr lang="en-US" smtClean="0"/>
+              <a:t>10</a:t>
+            </a:fld>
+            <a:endParaRPr lang="en-US"/>
+          </a:p>
+        </p:txBody>
       </p:sp>
     </p:spTree>
+    <p:extLst>
+      <p:ext uri="{BB962C8B-B14F-4D97-AF65-F5344CB8AC3E}">
+        <p14:creationId xmlns:p14="http://schemas.microsoft.com/office/powerpoint/2010/main" val="2701188861"/>
+      </p:ext>
+    </p:extLst>
   </p:cSld>
   <p:clrMapOvr>
     <a:masterClrMapping/>
@@ -3241,7 +3351,7 @@
           <a:p>
             <a:fld id="{F2FC5A5D-CE7E-4849-A0E1-98A0FC6D3A0E}" type="datetime1">
               <a:rPr lang="el-GR" smtClean="0"/>
-              <a:t>11/6/2018</a:t>
+              <a:t>12/6/2018</a:t>
             </a:fld>
             <a:endParaRPr lang="en-US"/>
           </a:p>
@@ -3490,7 +3600,7 @@
           <a:p>
             <a:fld id="{1B8D7DA2-7495-4502-A1D8-014FA76583FF}" type="datetime1">
               <a:rPr lang="el-GR" smtClean="0"/>
-              <a:t>11/6/2018</a:t>
+              <a:t>12/6/2018</a:t>
             </a:fld>
             <a:endParaRPr lang="el-GR"/>
           </a:p>
@@ -4484,7 +4594,7 @@
           <a:p>
             <a:fld id="{8E49CD89-1C68-4A57-BB43-EA48831271AE}" type="datetime1">
               <a:rPr lang="el-GR" smtClean="0"/>
-              <a:t>11/6/2018</a:t>
+              <a:t>12/6/2018</a:t>
             </a:fld>
             <a:endParaRPr lang="en-US"/>
           </a:p>
@@ -4794,7 +4904,7 @@
           <a:p>
             <a:fld id="{46250435-A37D-41C9-B26D-7A38A8AF6825}" type="datetime1">
               <a:rPr lang="el-GR" smtClean="0"/>
-              <a:t>11/6/2018</a:t>
+              <a:t>12/6/2018</a:t>
             </a:fld>
             <a:endParaRPr lang="en-US"/>
           </a:p>
@@ -5074,7 +5184,7 @@
           <a:p>
             <a:fld id="{F94A46B5-92E2-4414-A140-E7EAC0A643D7}" type="datetime1">
               <a:rPr lang="el-GR" smtClean="0"/>
-              <a:t>11/6/2018</a:t>
+              <a:t>12/6/2018</a:t>
             </a:fld>
             <a:endParaRPr lang="en-US"/>
           </a:p>
@@ -5360,7 +5470,7 @@
           <a:p>
             <a:fld id="{D797047E-640B-481E-B8F1-E4DF31D1F5E6}" type="datetime1">
               <a:rPr lang="el-GR" smtClean="0"/>
-              <a:t>11/6/2018</a:t>
+              <a:t>12/6/2018</a:t>
             </a:fld>
             <a:endParaRPr lang="en-US"/>
           </a:p>
@@ -5616,7 +5726,7 @@
           <a:p>
             <a:fld id="{EC2C4B75-541F-4408-B12F-F4CC87CDB46C}" type="datetime1">
               <a:rPr lang="el-GR" smtClean="0"/>
-              <a:t>11/6/2018</a:t>
+              <a:t>12/6/2018</a:t>
             </a:fld>
             <a:endParaRPr lang="en-US"/>
           </a:p>
@@ -5943,7 +6053,7 @@
           <a:p>
             <a:fld id="{6B87199C-2C9F-4DB5-B2AA-BA2F0E0AC2DA}" type="datetime1">
               <a:rPr lang="el-GR" smtClean="0"/>
-              <a:t>11/6/2018</a:t>
+              <a:t>12/6/2018</a:t>
             </a:fld>
             <a:endParaRPr lang="en-US"/>
           </a:p>
@@ -6890,6 +7000,118 @@
 </file>
 
 <file path=ppt/slides/slide10.xml><?xml version="1.0" encoding="utf-8"?>
+<p:sld xmlns:a="http://schemas.openxmlformats.org/drawingml/2006/main" xmlns:r="http://schemas.openxmlformats.org/officeDocument/2006/relationships" xmlns:p="http://schemas.openxmlformats.org/presentationml/2006/main">
+  <p:cSld>
+    <p:spTree>
+      <p:nvGrpSpPr>
+        <p:cNvPr id="1" name=""/>
+        <p:cNvGrpSpPr/>
+        <p:nvPr/>
+      </p:nvGrpSpPr>
+      <p:grpSpPr>
+        <a:xfrm>
+          <a:off x="0" y="0"/>
+          <a:ext cx="0" cy="0"/>
+          <a:chOff x="0" y="0"/>
+          <a:chExt cx="0" cy="0"/>
+        </a:xfrm>
+      </p:grpSpPr>
+      <p:sp>
+        <p:nvSpPr>
+          <p:cNvPr id="2" name="Title 1">
+            <a:extLst>
+              <a:ext uri="{FF2B5EF4-FFF2-40B4-BE49-F238E27FC236}">
+                <a16:creationId xmlns:a16="http://schemas.microsoft.com/office/drawing/2014/main" id="{09F71980-6091-47C5-AA28-CF77E450CEF1}"/>
+              </a:ext>
+            </a:extLst>
+          </p:cNvPr>
+          <p:cNvSpPr>
+            <a:spLocks noGrp="1"/>
+          </p:cNvSpPr>
+          <p:nvPr>
+            <p:ph type="title"/>
+          </p:nvPr>
+        </p:nvSpPr>
+        <p:spPr/>
+        <p:txBody>
+          <a:bodyPr>
+            <a:normAutofit/>
+          </a:bodyPr>
+          <a:lstStyle/>
+          <a:p>
+            <a:r>
+              <a:rPr lang="en-US" dirty="0"/>
+              <a:t>Resources</a:t>
+            </a:r>
+            <a:endParaRPr lang="el-GR" dirty="0"/>
+          </a:p>
+        </p:txBody>
+      </p:sp>
+      <p:sp>
+        <p:nvSpPr>
+          <p:cNvPr id="3" name="Content Placeholder 2">
+            <a:extLst>
+              <a:ext uri="{FF2B5EF4-FFF2-40B4-BE49-F238E27FC236}">
+                <a16:creationId xmlns:a16="http://schemas.microsoft.com/office/drawing/2014/main" id="{54993B46-BEF5-4B6F-B66B-B948AACEAA86}"/>
+              </a:ext>
+            </a:extLst>
+          </p:cNvPr>
+          <p:cNvSpPr>
+            <a:spLocks noGrp="1"/>
+          </p:cNvSpPr>
+          <p:nvPr>
+            <p:ph idx="1"/>
+          </p:nvPr>
+        </p:nvSpPr>
+        <p:spPr/>
+        <p:txBody>
+          <a:bodyPr>
+            <a:normAutofit/>
+          </a:bodyPr>
+          <a:lstStyle/>
+          <a:p>
+            <a:r>
+              <a:rPr lang="en-US" dirty="0">
+                <a:hlinkClick r:id="rId3"/>
+              </a:rPr>
+              <a:t>https://docs.microsoft.com/en-us/aspnet/core/fundamentals/dependency-injection?view=aspnetcore-2.1</a:t>
+            </a:r>
+            <a:endParaRPr lang="en-US" dirty="0"/>
+          </a:p>
+          <a:p>
+            <a:r>
+              <a:rPr lang="en-US" dirty="0">
+                <a:hlinkClick r:id="rId4"/>
+              </a:rPr>
+              <a:t>https://martinfowler.com/articles/dipInTheWild.html#YouMeanDependencyInversionRight</a:t>
+            </a:r>
+            <a:endParaRPr lang="en-US" dirty="0"/>
+          </a:p>
+          <a:p>
+            <a:r>
+              <a:rPr lang="en-US" dirty="0">
+                <a:hlinkClick r:id="rId5"/>
+              </a:rPr>
+              <a:t>https://www.martinfowler.com/articles/injection.html</a:t>
+            </a:r>
+            <a:endParaRPr lang="en-US" dirty="0"/>
+          </a:p>
+        </p:txBody>
+      </p:sp>
+    </p:spTree>
+    <p:extLst>
+      <p:ext uri="{BB962C8B-B14F-4D97-AF65-F5344CB8AC3E}">
+        <p14:creationId xmlns:p14="http://schemas.microsoft.com/office/powerpoint/2010/main" val="3399134873"/>
+      </p:ext>
+    </p:extLst>
+  </p:cSld>
+  <p:clrMapOvr>
+    <a:masterClrMapping/>
+  </p:clrMapOvr>
+</p:sld>
+</file>
+
+<file path=ppt/slides/slide11.xml><?xml version="1.0" encoding="utf-8"?>
 <p:sld xmlns:a="http://schemas.openxmlformats.org/drawingml/2006/main" xmlns:r="http://schemas.openxmlformats.org/officeDocument/2006/relationships" xmlns:p="http://schemas.openxmlformats.org/presentationml/2006/main">
   <p:cSld>
     <p:spTree>
@@ -8978,7 +9200,7 @@
           <a:graphicData uri="http://schemas.openxmlformats.org/presentationml/2006/ole">
             <mc:AlternateContent xmlns:mc="http://schemas.openxmlformats.org/markup-compatibility/2006">
               <mc:Choice xmlns:v="urn:schemas-microsoft-com:vml" Requires="v">
-                <p:oleObj spid="_x0000_s3205" name="Document" r:id="rId3" imgW="3860640" imgH="1805040" progId="Word.OpenDocumentText.12">
+                <p:oleObj spid="_x0000_s3227" name="Document" r:id="rId3" imgW="3860640" imgH="1805040" progId="Word.OpenDocumentText.12">
                   <p:embed/>
                 </p:oleObj>
               </mc:Choice>
@@ -9035,7 +9257,7 @@
           <a:graphicData uri="http://schemas.openxmlformats.org/presentationml/2006/ole">
             <mc:AlternateContent xmlns:mc="http://schemas.openxmlformats.org/markup-compatibility/2006">
               <mc:Choice xmlns:v="urn:schemas-microsoft-com:vml" Requires="v">
-                <p:oleObj spid="_x0000_s3206" name="Document" r:id="rId5" imgW="4312800" imgH="2797200" progId="Word.OpenDocumentText.12">
+                <p:oleObj spid="_x0000_s3228" name="Document" r:id="rId5" imgW="4312800" imgH="2797200" progId="Word.OpenDocumentText.12">
                   <p:embed/>
                 </p:oleObj>
               </mc:Choice>
@@ -9163,7 +9385,7 @@
           <a:graphicData uri="http://schemas.openxmlformats.org/presentationml/2006/ole">
             <mc:AlternateContent xmlns:mc="http://schemas.openxmlformats.org/markup-compatibility/2006">
               <mc:Choice xmlns:v="urn:schemas-microsoft-com:vml" Requires="v">
-                <p:oleObj spid="_x0000_s5204" name="Document" r:id="rId4" imgW="4052520" imgH="1749240" progId="Word.OpenDocumentText.12">
+                <p:oleObj spid="_x0000_s5226" name="Document" r:id="rId4" imgW="4052520" imgH="1749240" progId="Word.OpenDocumentText.12">
                   <p:embed/>
                 </p:oleObj>
               </mc:Choice>
@@ -9220,7 +9442,7 @@
           <a:graphicData uri="http://schemas.openxmlformats.org/presentationml/2006/ole">
             <mc:AlternateContent xmlns:mc="http://schemas.openxmlformats.org/markup-compatibility/2006">
               <mc:Choice xmlns:v="urn:schemas-microsoft-com:vml" Requires="v">
-                <p:oleObj spid="_x0000_s5205" name="Document" r:id="rId6" imgW="4052520" imgH="1749600" progId="Word.OpenDocumentText.12">
+                <p:oleObj spid="_x0000_s5227" name="Document" r:id="rId6" imgW="4052520" imgH="1749600" progId="Word.OpenDocumentText.12">
                   <p:embed/>
                 </p:oleObj>
               </mc:Choice>
